--- a/파이썬 과제/파이썬 13강 과제 남정현.pptx
+++ b/파이썬 과제/파이썬 13강 과제 남정현.pptx
@@ -117,6 +117,11 @@
       </a:defRPr>
     </a:lvl9pPr>
   </p:defaultTextStyle>
+  <p:extLst>
+    <p:ext uri="{EFAFB233-063F-42B5-8137-9DF3F51BA10A}">
+      <p15:sldGuideLst xmlns:p15="http://schemas.microsoft.com/office/powerpoint/2012/main"/>
+    </p:ext>
+  </p:extLst>
 </p:presentation>
 </file>
 
@@ -290,7 +295,7 @@
             <a:fld id="{87DE6118-2437-4B30-8E3C-4D2BE6020583}" type="datetimeFigureOut">
               <a:rPr lang="en-US" dirty="0"/>
               <a:pPr/>
-              <a:t>5/2/2023</a:t>
+              <a:t>5/4/2023</a:t>
             </a:fld>
             <a:endParaRPr lang="en-US" dirty="0"/>
           </a:p>
@@ -616,7 +621,7 @@
           <a:p>
             <a:fld id="{87DE6118-2437-4B30-8E3C-4D2BE6020583}" type="datetimeFigureOut">
               <a:rPr lang="en-US" dirty="0"/>
-              <a:t>5/2/2023</a:t>
+              <a:t>5/4/2023</a:t>
             </a:fld>
             <a:endParaRPr lang="en-US" dirty="0"/>
           </a:p>
@@ -791,7 +796,7 @@
           <a:p>
             <a:fld id="{87DE6118-2437-4B30-8E3C-4D2BE6020583}" type="datetimeFigureOut">
               <a:rPr lang="en-US" dirty="0"/>
-              <a:t>5/2/2023</a:t>
+              <a:t>5/4/2023</a:t>
             </a:fld>
             <a:endParaRPr lang="en-US" dirty="0"/>
           </a:p>
@@ -956,7 +961,7 @@
           <a:p>
             <a:fld id="{87DE6118-2437-4B30-8E3C-4D2BE6020583}" type="datetimeFigureOut">
               <a:rPr lang="en-US" dirty="0"/>
-              <a:t>5/2/2023</a:t>
+              <a:t>5/4/2023</a:t>
             </a:fld>
             <a:endParaRPr lang="en-US" dirty="0"/>
           </a:p>
@@ -1229,7 +1234,7 @@
             <a:fld id="{87DE6118-2437-4B30-8E3C-4D2BE6020583}" type="datetimeFigureOut">
               <a:rPr lang="en-US" dirty="0"/>
               <a:pPr/>
-              <a:t>5/2/2023</a:t>
+              <a:t>5/4/2023</a:t>
             </a:fld>
             <a:endParaRPr lang="en-US" dirty="0"/>
           </a:p>
@@ -1619,7 +1624,7 @@
           <a:p>
             <a:fld id="{87DE6118-2437-4B30-8E3C-4D2BE6020583}" type="datetimeFigureOut">
               <a:rPr lang="en-US" dirty="0"/>
-              <a:t>5/2/2023</a:t>
+              <a:t>5/4/2023</a:t>
             </a:fld>
             <a:endParaRPr lang="en-US" dirty="0"/>
           </a:p>
@@ -2091,7 +2096,7 @@
           <a:p>
             <a:fld id="{87DE6118-2437-4B30-8E3C-4D2BE6020583}" type="datetimeFigureOut">
               <a:rPr lang="en-US" dirty="0"/>
-              <a:t>5/2/2023</a:t>
+              <a:t>5/4/2023</a:t>
             </a:fld>
             <a:endParaRPr lang="en-US" dirty="0"/>
           </a:p>
@@ -2204,7 +2209,7 @@
           <a:p>
             <a:fld id="{87DE6118-2437-4B30-8E3C-4D2BE6020583}" type="datetimeFigureOut">
               <a:rPr lang="en-US" dirty="0"/>
-              <a:t>5/2/2023</a:t>
+              <a:t>5/4/2023</a:t>
             </a:fld>
             <a:endParaRPr lang="en-US" dirty="0"/>
           </a:p>
@@ -2294,7 +2299,7 @@
           <a:p>
             <a:fld id="{87DE6118-2437-4B30-8E3C-4D2BE6020583}" type="datetimeFigureOut">
               <a:rPr lang="en-US" dirty="0"/>
-              <a:t>5/2/2023</a:t>
+              <a:t>5/4/2023</a:t>
             </a:fld>
             <a:endParaRPr lang="en-US" dirty="0"/>
           </a:p>
@@ -2636,7 +2641,7 @@
             <a:fld id="{87DE6118-2437-4B30-8E3C-4D2BE6020583}" type="datetimeFigureOut">
               <a:rPr lang="en-US" dirty="0"/>
               <a:pPr/>
-              <a:t>5/2/2023</a:t>
+              <a:t>5/4/2023</a:t>
             </a:fld>
             <a:endParaRPr lang="en-US" dirty="0"/>
           </a:p>
@@ -3021,7 +3026,7 @@
             <a:fld id="{87DE6118-2437-4B30-8E3C-4D2BE6020583}" type="datetimeFigureOut">
               <a:rPr lang="en-US" dirty="0"/>
               <a:pPr/>
-              <a:t>5/2/2023</a:t>
+              <a:t>5/4/2023</a:t>
             </a:fld>
             <a:endParaRPr lang="en-US" dirty="0"/>
           </a:p>
@@ -3296,7 +3301,7 @@
             <a:fld id="{87DE6118-2437-4B30-8E3C-4D2BE6020583}" type="datetimeFigureOut">
               <a:rPr lang="en-US" dirty="0"/>
               <a:pPr/>
-              <a:t>5/2/2023</a:t>
+              <a:t>5/4/2023</a:t>
             </a:fld>
             <a:endParaRPr lang="en-US" dirty="0"/>
           </a:p>
@@ -4438,7 +4443,7 @@
           <a:p>
             <a:r>
               <a:rPr lang="en-US" altLang="ko-KR" sz="1800" dirty="0"/>
-              <a:t>Fraction</a:t>
+              <a:t>Fraction.</a:t>
             </a:r>
             <a:endParaRPr lang="ko-KR" altLang="en-US" sz="1800" dirty="0"/>
           </a:p>
